--- a/Day4/day_4.pptx
+++ b/Day4/day_4.pptx
@@ -25,74 +25,74 @@
   <p:defaultTextStyle>
     <a:lvl1pPr>
       <a:defRPr>
-        <a:latin typeface="+mj-lt"/>
-        <a:ea typeface="+mj-ea"/>
-        <a:cs typeface="+mj-cs"/>
-        <a:sym typeface="Helvetica"/>
+        <a:latin typeface="Avenir Book"/>
+        <a:ea typeface="Avenir Book"/>
+        <a:cs typeface="Avenir Book"/>
+        <a:sym typeface="Avenir Book"/>
       </a:defRPr>
     </a:lvl1pPr>
-    <a:lvl2pPr indent="457200">
+    <a:lvl2pPr>
       <a:defRPr>
-        <a:latin typeface="+mj-lt"/>
-        <a:ea typeface="+mj-ea"/>
-        <a:cs typeface="+mj-cs"/>
-        <a:sym typeface="Helvetica"/>
+        <a:latin typeface="Avenir Book"/>
+        <a:ea typeface="Avenir Book"/>
+        <a:cs typeface="Avenir Book"/>
+        <a:sym typeface="Avenir Book"/>
       </a:defRPr>
     </a:lvl2pPr>
-    <a:lvl3pPr indent="914400">
+    <a:lvl3pPr>
       <a:defRPr>
-        <a:latin typeface="+mj-lt"/>
-        <a:ea typeface="+mj-ea"/>
-        <a:cs typeface="+mj-cs"/>
-        <a:sym typeface="Helvetica"/>
+        <a:latin typeface="Avenir Book"/>
+        <a:ea typeface="Avenir Book"/>
+        <a:cs typeface="Avenir Book"/>
+        <a:sym typeface="Avenir Book"/>
       </a:defRPr>
     </a:lvl3pPr>
-    <a:lvl4pPr indent="1371600">
+    <a:lvl4pPr>
       <a:defRPr>
-        <a:latin typeface="+mj-lt"/>
-        <a:ea typeface="+mj-ea"/>
-        <a:cs typeface="+mj-cs"/>
-        <a:sym typeface="Helvetica"/>
+        <a:latin typeface="Avenir Book"/>
+        <a:ea typeface="Avenir Book"/>
+        <a:cs typeface="Avenir Book"/>
+        <a:sym typeface="Avenir Book"/>
       </a:defRPr>
     </a:lvl4pPr>
-    <a:lvl5pPr indent="1828800">
+    <a:lvl5pPr>
       <a:defRPr>
-        <a:latin typeface="+mj-lt"/>
-        <a:ea typeface="+mj-ea"/>
-        <a:cs typeface="+mj-cs"/>
-        <a:sym typeface="Helvetica"/>
+        <a:latin typeface="Avenir Book"/>
+        <a:ea typeface="Avenir Book"/>
+        <a:cs typeface="Avenir Book"/>
+        <a:sym typeface="Avenir Book"/>
       </a:defRPr>
     </a:lvl5pPr>
     <a:lvl6pPr>
       <a:defRPr>
-        <a:latin typeface="+mj-lt"/>
-        <a:ea typeface="+mj-ea"/>
-        <a:cs typeface="+mj-cs"/>
-        <a:sym typeface="Helvetica"/>
+        <a:latin typeface="Avenir Book"/>
+        <a:ea typeface="Avenir Book"/>
+        <a:cs typeface="Avenir Book"/>
+        <a:sym typeface="Avenir Book"/>
       </a:defRPr>
     </a:lvl6pPr>
     <a:lvl7pPr>
       <a:defRPr>
-        <a:latin typeface="+mj-lt"/>
-        <a:ea typeface="+mj-ea"/>
-        <a:cs typeface="+mj-cs"/>
-        <a:sym typeface="Helvetica"/>
+        <a:latin typeface="Avenir Book"/>
+        <a:ea typeface="Avenir Book"/>
+        <a:cs typeface="Avenir Book"/>
+        <a:sym typeface="Avenir Book"/>
       </a:defRPr>
     </a:lvl7pPr>
     <a:lvl8pPr>
       <a:defRPr>
-        <a:latin typeface="+mj-lt"/>
-        <a:ea typeface="+mj-ea"/>
-        <a:cs typeface="+mj-cs"/>
-        <a:sym typeface="Helvetica"/>
+        <a:latin typeface="Avenir Book"/>
+        <a:ea typeface="Avenir Book"/>
+        <a:cs typeface="Avenir Book"/>
+        <a:sym typeface="Avenir Book"/>
       </a:defRPr>
     </a:lvl8pPr>
     <a:lvl9pPr>
       <a:defRPr>
-        <a:latin typeface="+mj-lt"/>
-        <a:ea typeface="+mj-ea"/>
-        <a:cs typeface="+mj-cs"/>
-        <a:sym typeface="Helvetica"/>
+        <a:latin typeface="Avenir Book"/>
+        <a:ea typeface="Avenir Book"/>
+        <a:cs typeface="Avenir Book"/>
+        <a:sym typeface="Avenir Book"/>
       </a:defRPr>
     </a:lvl9pPr>
   </p:defaultTextStyle>
@@ -179,10 +179,10 @@
         <a:spcPct val="125000"/>
       </a:lnSpc>
       <a:defRPr sz="2400">
-        <a:latin typeface="+mn-lt"/>
-        <a:ea typeface="+mn-ea"/>
-        <a:cs typeface="+mn-cs"/>
-        <a:sym typeface="Avenir Book"/>
+        <a:latin typeface="+mj-lt"/>
+        <a:ea typeface="+mj-ea"/>
+        <a:cs typeface="+mj-cs"/>
+        <a:sym typeface="Avenir Roman"/>
       </a:defRPr>
     </a:lvl1pPr>
     <a:lvl2pPr indent="228600" defTabSz="457200">
@@ -190,10 +190,10 @@
         <a:spcPct val="125000"/>
       </a:lnSpc>
       <a:defRPr sz="2400">
-        <a:latin typeface="+mn-lt"/>
-        <a:ea typeface="+mn-ea"/>
-        <a:cs typeface="+mn-cs"/>
-        <a:sym typeface="Avenir Book"/>
+        <a:latin typeface="+mj-lt"/>
+        <a:ea typeface="+mj-ea"/>
+        <a:cs typeface="+mj-cs"/>
+        <a:sym typeface="Avenir Roman"/>
       </a:defRPr>
     </a:lvl2pPr>
     <a:lvl3pPr indent="457200" defTabSz="457200">
@@ -201,10 +201,10 @@
         <a:spcPct val="125000"/>
       </a:lnSpc>
       <a:defRPr sz="2400">
-        <a:latin typeface="+mn-lt"/>
-        <a:ea typeface="+mn-ea"/>
-        <a:cs typeface="+mn-cs"/>
-        <a:sym typeface="Avenir Book"/>
+        <a:latin typeface="+mj-lt"/>
+        <a:ea typeface="+mj-ea"/>
+        <a:cs typeface="+mj-cs"/>
+        <a:sym typeface="Avenir Roman"/>
       </a:defRPr>
     </a:lvl3pPr>
     <a:lvl4pPr indent="685800" defTabSz="457200">
@@ -212,10 +212,10 @@
         <a:spcPct val="125000"/>
       </a:lnSpc>
       <a:defRPr sz="2400">
-        <a:latin typeface="+mn-lt"/>
-        <a:ea typeface="+mn-ea"/>
-        <a:cs typeface="+mn-cs"/>
-        <a:sym typeface="Avenir Book"/>
+        <a:latin typeface="+mj-lt"/>
+        <a:ea typeface="+mj-ea"/>
+        <a:cs typeface="+mj-cs"/>
+        <a:sym typeface="Avenir Roman"/>
       </a:defRPr>
     </a:lvl4pPr>
     <a:lvl5pPr indent="914400" defTabSz="457200">
@@ -223,10 +223,10 @@
         <a:spcPct val="125000"/>
       </a:lnSpc>
       <a:defRPr sz="2400">
-        <a:latin typeface="+mn-lt"/>
-        <a:ea typeface="+mn-ea"/>
-        <a:cs typeface="+mn-cs"/>
-        <a:sym typeface="Avenir Book"/>
+        <a:latin typeface="+mj-lt"/>
+        <a:ea typeface="+mj-ea"/>
+        <a:cs typeface="+mj-cs"/>
+        <a:sym typeface="Avenir Roman"/>
       </a:defRPr>
     </a:lvl5pPr>
     <a:lvl6pPr indent="1143000" defTabSz="457200">
@@ -234,10 +234,10 @@
         <a:spcPct val="125000"/>
       </a:lnSpc>
       <a:defRPr sz="2400">
-        <a:latin typeface="+mn-lt"/>
-        <a:ea typeface="+mn-ea"/>
-        <a:cs typeface="+mn-cs"/>
-        <a:sym typeface="Avenir Book"/>
+        <a:latin typeface="+mj-lt"/>
+        <a:ea typeface="+mj-ea"/>
+        <a:cs typeface="+mj-cs"/>
+        <a:sym typeface="Avenir Roman"/>
       </a:defRPr>
     </a:lvl6pPr>
     <a:lvl7pPr indent="1371600" defTabSz="457200">
@@ -245,10 +245,10 @@
         <a:spcPct val="125000"/>
       </a:lnSpc>
       <a:defRPr sz="2400">
-        <a:latin typeface="+mn-lt"/>
-        <a:ea typeface="+mn-ea"/>
-        <a:cs typeface="+mn-cs"/>
-        <a:sym typeface="Avenir Book"/>
+        <a:latin typeface="+mj-lt"/>
+        <a:ea typeface="+mj-ea"/>
+        <a:cs typeface="+mj-cs"/>
+        <a:sym typeface="Avenir Roman"/>
       </a:defRPr>
     </a:lvl7pPr>
     <a:lvl8pPr indent="1600200" defTabSz="457200">
@@ -256,10 +256,10 @@
         <a:spcPct val="125000"/>
       </a:lnSpc>
       <a:defRPr sz="2400">
-        <a:latin typeface="+mn-lt"/>
-        <a:ea typeface="+mn-ea"/>
-        <a:cs typeface="+mn-cs"/>
-        <a:sym typeface="Avenir Book"/>
+        <a:latin typeface="+mj-lt"/>
+        <a:ea typeface="+mj-ea"/>
+        <a:cs typeface="+mj-cs"/>
+        <a:sym typeface="Avenir Roman"/>
       </a:defRPr>
     </a:lvl8pPr>
     <a:lvl9pPr indent="1828800" defTabSz="457200">
@@ -267,10 +267,10 @@
         <a:spcPct val="125000"/>
       </a:lnSpc>
       <a:defRPr sz="2400">
-        <a:latin typeface="+mn-lt"/>
-        <a:ea typeface="+mn-ea"/>
-        <a:cs typeface="+mn-cs"/>
-        <a:sym typeface="Avenir Book"/>
+        <a:latin typeface="+mj-lt"/>
+        <a:ea typeface="+mj-ea"/>
+        <a:cs typeface="+mj-cs"/>
+        <a:sym typeface="Avenir Roman"/>
       </a:defRPr>
     </a:lvl9pPr>
   </p:notesStyle>
@@ -438,7 +438,7 @@
       </p:grpSpPr>
       <p:pic>
         <p:nvPicPr>
-          <p:cNvPr id="11" name="image5.png" descr="standardRule.png"/>
+          <p:cNvPr id="11" name="image2.png" descr="standardRule.png"/>
           <p:cNvPicPr/>
           <p:nvPr/>
         </p:nvPicPr>
@@ -652,15 +652,15 @@
         </p:nvSpPr>
         <p:spPr>
           <a:xfrm>
-            <a:off x="457200" y="274637"/>
-            <a:ext cx="8229600" cy="1325563"/>
+            <a:off x="457200" y="274636"/>
+            <a:ext cx="8229600" cy="1325564"/>
           </a:xfrm>
           <a:prstGeom prst="rect">
             <a:avLst/>
           </a:prstGeom>
         </p:spPr>
         <p:txBody>
-          <a:bodyPr lIns="45719" tIns="45719" rIns="45719" bIns="45719" anchor="t"/>
+          <a:bodyPr lIns="45718" tIns="45718" rIns="45718" bIns="45718" anchor="t"/>
           <a:lstStyle/>
           <a:p>
             <a:pPr lvl="0">
@@ -889,7 +889,7 @@
                 <a:sym typeface="Calisto MT"/>
               </a:defRPr>
             </a:lvl1pPr>
-            <a:lvl2pPr marL="955963" indent="-498763" defTabSz="914400">
+            <a:lvl2pPr marL="955962" indent="-498763" defTabSz="914400">
               <a:spcBef>
                 <a:spcPts val="2000"/>
               </a:spcBef>
@@ -903,7 +903,7 @@
                 <a:sym typeface="Calisto MT"/>
               </a:defRPr>
             </a:lvl2pPr>
-            <a:lvl3pPr marL="1463039" indent="-548639" defTabSz="914400">
+            <a:lvl3pPr marL="1463038" indent="-548638" defTabSz="914400">
               <a:spcBef>
                 <a:spcPts val="2000"/>
               </a:spcBef>
@@ -1007,8 +1007,8 @@
         </p:nvSpPr>
         <p:spPr>
           <a:xfrm>
-            <a:off x="4046220" y="6206696"/>
-            <a:ext cx="1051561" cy="269239"/>
+            <a:off x="4046220" y="6252415"/>
+            <a:ext cx="1051562" cy="177801"/>
           </a:xfrm>
           <a:prstGeom prst="rect">
             <a:avLst/>
@@ -1033,7 +1033,7 @@
       </p:sp>
       <p:pic>
         <p:nvPicPr>
-          <p:cNvPr id="24" name="image5.png" descr="standardRule.png"/>
+          <p:cNvPr id="24" name="image4.png" descr="standardRule.png"/>
           <p:cNvPicPr/>
           <p:nvPr/>
         </p:nvPicPr>
@@ -1113,7 +1113,7 @@
       </p:grpSpPr>
       <p:pic>
         <p:nvPicPr>
-          <p:cNvPr id="2" name="image3.png" descr="TextPageOverlay.png"/>
+          <p:cNvPr id="2" name="image1.png" descr="TextPageOverlay.png"/>
           <p:cNvPicPr/>
           <p:nvPr/>
         </p:nvPicPr>
@@ -1149,7 +1149,7 @@
         <p:spPr>
           <a:xfrm>
             <a:off x="4044950" y="6148706"/>
-            <a:ext cx="1052513" cy="383539"/>
+            <a:ext cx="1052513" cy="383537"/>
           </a:xfrm>
           <a:prstGeom prst="rect">
             <a:avLst/>
@@ -1243,7 +1243,7 @@
           </a:extLst>
         </p:spPr>
         <p:txBody>
-          <a:bodyPr lIns="45719" rIns="45719"/>
+          <a:bodyPr lIns="45718" tIns="45718" rIns="45718" bIns="45718"/>
           <a:lstStyle/>
           <a:p>
             <a:pPr lvl="0">
@@ -1310,73 +1310,73 @@
     <p:titleStyle>
       <a:lvl1pPr defTabSz="457200">
         <a:defRPr sz="1200">
-          <a:latin typeface="+mj-lt"/>
-          <a:ea typeface="+mj-ea"/>
-          <a:cs typeface="+mj-cs"/>
+          <a:latin typeface="+mn-lt"/>
+          <a:ea typeface="+mn-ea"/>
+          <a:cs typeface="+mn-cs"/>
           <a:sym typeface="Helvetica"/>
         </a:defRPr>
       </a:lvl1pPr>
       <a:lvl2pPr defTabSz="457200">
         <a:defRPr sz="1200">
-          <a:latin typeface="+mj-lt"/>
-          <a:ea typeface="+mj-ea"/>
-          <a:cs typeface="+mj-cs"/>
+          <a:latin typeface="+mn-lt"/>
+          <a:ea typeface="+mn-ea"/>
+          <a:cs typeface="+mn-cs"/>
           <a:sym typeface="Helvetica"/>
         </a:defRPr>
       </a:lvl2pPr>
       <a:lvl3pPr defTabSz="457200">
         <a:defRPr sz="1200">
-          <a:latin typeface="+mj-lt"/>
-          <a:ea typeface="+mj-ea"/>
-          <a:cs typeface="+mj-cs"/>
+          <a:latin typeface="+mn-lt"/>
+          <a:ea typeface="+mn-ea"/>
+          <a:cs typeface="+mn-cs"/>
           <a:sym typeface="Helvetica"/>
         </a:defRPr>
       </a:lvl3pPr>
       <a:lvl4pPr defTabSz="457200">
         <a:defRPr sz="1200">
-          <a:latin typeface="+mj-lt"/>
-          <a:ea typeface="+mj-ea"/>
-          <a:cs typeface="+mj-cs"/>
+          <a:latin typeface="+mn-lt"/>
+          <a:ea typeface="+mn-ea"/>
+          <a:cs typeface="+mn-cs"/>
           <a:sym typeface="Helvetica"/>
         </a:defRPr>
       </a:lvl4pPr>
       <a:lvl5pPr defTabSz="457200">
         <a:defRPr sz="1200">
-          <a:latin typeface="+mj-lt"/>
-          <a:ea typeface="+mj-ea"/>
-          <a:cs typeface="+mj-cs"/>
+          <a:latin typeface="+mn-lt"/>
+          <a:ea typeface="+mn-ea"/>
+          <a:cs typeface="+mn-cs"/>
           <a:sym typeface="Helvetica"/>
         </a:defRPr>
       </a:lvl5pPr>
-      <a:lvl6pPr indent="457200" defTabSz="457200">
+      <a:lvl6pPr defTabSz="457200">
         <a:defRPr sz="1200">
-          <a:latin typeface="+mj-lt"/>
-          <a:ea typeface="+mj-ea"/>
-          <a:cs typeface="+mj-cs"/>
+          <a:latin typeface="+mn-lt"/>
+          <a:ea typeface="+mn-ea"/>
+          <a:cs typeface="+mn-cs"/>
           <a:sym typeface="Helvetica"/>
         </a:defRPr>
       </a:lvl6pPr>
-      <a:lvl7pPr indent="914400" defTabSz="457200">
+      <a:lvl7pPr defTabSz="457200">
         <a:defRPr sz="1200">
-          <a:latin typeface="+mj-lt"/>
-          <a:ea typeface="+mj-ea"/>
-          <a:cs typeface="+mj-cs"/>
+          <a:latin typeface="+mn-lt"/>
+          <a:ea typeface="+mn-ea"/>
+          <a:cs typeface="+mn-cs"/>
           <a:sym typeface="Helvetica"/>
         </a:defRPr>
       </a:lvl7pPr>
-      <a:lvl8pPr indent="1371600" defTabSz="457200">
+      <a:lvl8pPr defTabSz="457200">
         <a:defRPr sz="1200">
-          <a:latin typeface="+mj-lt"/>
-          <a:ea typeface="+mj-ea"/>
-          <a:cs typeface="+mj-cs"/>
+          <a:latin typeface="+mn-lt"/>
+          <a:ea typeface="+mn-ea"/>
+          <a:cs typeface="+mn-cs"/>
           <a:sym typeface="Helvetica"/>
         </a:defRPr>
       </a:lvl8pPr>
-      <a:lvl9pPr indent="1828800" defTabSz="457200">
+      <a:lvl9pPr defTabSz="457200">
         <a:defRPr sz="1200">
-          <a:latin typeface="+mj-lt"/>
-          <a:ea typeface="+mj-ea"/>
-          <a:cs typeface="+mj-cs"/>
+          <a:latin typeface="+mn-lt"/>
+          <a:ea typeface="+mn-ea"/>
+          <a:cs typeface="+mn-cs"/>
           <a:sym typeface="Helvetica"/>
         </a:defRPr>
       </a:lvl9pPr>
@@ -1384,73 +1384,73 @@
     <p:bodyStyle>
       <a:lvl1pPr defTabSz="457200">
         <a:defRPr sz="1200">
-          <a:latin typeface="+mj-lt"/>
-          <a:ea typeface="+mj-ea"/>
-          <a:cs typeface="+mj-cs"/>
+          <a:latin typeface="+mn-lt"/>
+          <a:ea typeface="+mn-ea"/>
+          <a:cs typeface="+mn-cs"/>
           <a:sym typeface="Helvetica"/>
         </a:defRPr>
       </a:lvl1pPr>
-      <a:lvl2pPr indent="228600" defTabSz="457200">
+      <a:lvl2pPr defTabSz="457200">
         <a:defRPr sz="1200">
-          <a:latin typeface="+mj-lt"/>
-          <a:ea typeface="+mj-ea"/>
-          <a:cs typeface="+mj-cs"/>
+          <a:latin typeface="+mn-lt"/>
+          <a:ea typeface="+mn-ea"/>
+          <a:cs typeface="+mn-cs"/>
           <a:sym typeface="Helvetica"/>
         </a:defRPr>
       </a:lvl2pPr>
-      <a:lvl3pPr indent="457200" defTabSz="457200">
+      <a:lvl3pPr defTabSz="457200">
         <a:defRPr sz="1200">
-          <a:latin typeface="+mj-lt"/>
-          <a:ea typeface="+mj-ea"/>
-          <a:cs typeface="+mj-cs"/>
+          <a:latin typeface="+mn-lt"/>
+          <a:ea typeface="+mn-ea"/>
+          <a:cs typeface="+mn-cs"/>
           <a:sym typeface="Helvetica"/>
         </a:defRPr>
       </a:lvl3pPr>
-      <a:lvl4pPr indent="685800" defTabSz="457200">
+      <a:lvl4pPr defTabSz="457200">
         <a:defRPr sz="1200">
-          <a:latin typeface="+mj-lt"/>
-          <a:ea typeface="+mj-ea"/>
-          <a:cs typeface="+mj-cs"/>
+          <a:latin typeface="+mn-lt"/>
+          <a:ea typeface="+mn-ea"/>
+          <a:cs typeface="+mn-cs"/>
           <a:sym typeface="Helvetica"/>
         </a:defRPr>
       </a:lvl4pPr>
-      <a:lvl5pPr indent="914400" defTabSz="457200">
+      <a:lvl5pPr defTabSz="457200">
         <a:defRPr sz="1200">
-          <a:latin typeface="+mj-lt"/>
-          <a:ea typeface="+mj-ea"/>
-          <a:cs typeface="+mj-cs"/>
+          <a:latin typeface="+mn-lt"/>
+          <a:ea typeface="+mn-ea"/>
+          <a:cs typeface="+mn-cs"/>
           <a:sym typeface="Helvetica"/>
         </a:defRPr>
       </a:lvl5pPr>
-      <a:lvl6pPr indent="1371600" defTabSz="457200">
+      <a:lvl6pPr defTabSz="457200">
         <a:defRPr sz="1200">
-          <a:latin typeface="+mj-lt"/>
-          <a:ea typeface="+mj-ea"/>
-          <a:cs typeface="+mj-cs"/>
+          <a:latin typeface="+mn-lt"/>
+          <a:ea typeface="+mn-ea"/>
+          <a:cs typeface="+mn-cs"/>
           <a:sym typeface="Helvetica"/>
         </a:defRPr>
       </a:lvl6pPr>
-      <a:lvl7pPr indent="1828800" defTabSz="457200">
+      <a:lvl7pPr defTabSz="457200">
         <a:defRPr sz="1200">
-          <a:latin typeface="+mj-lt"/>
-          <a:ea typeface="+mj-ea"/>
-          <a:cs typeface="+mj-cs"/>
+          <a:latin typeface="+mn-lt"/>
+          <a:ea typeface="+mn-ea"/>
+          <a:cs typeface="+mn-cs"/>
           <a:sym typeface="Helvetica"/>
         </a:defRPr>
       </a:lvl7pPr>
-      <a:lvl8pPr indent="2286000" defTabSz="457200">
+      <a:lvl8pPr defTabSz="457200">
         <a:defRPr sz="1200">
-          <a:latin typeface="+mj-lt"/>
-          <a:ea typeface="+mj-ea"/>
-          <a:cs typeface="+mj-cs"/>
+          <a:latin typeface="+mn-lt"/>
+          <a:ea typeface="+mn-ea"/>
+          <a:cs typeface="+mn-cs"/>
           <a:sym typeface="Helvetica"/>
         </a:defRPr>
       </a:lvl8pPr>
-      <a:lvl9pPr indent="2743200" defTabSz="457200">
+      <a:lvl9pPr defTabSz="457200">
         <a:defRPr sz="1200">
-          <a:latin typeface="+mj-lt"/>
-          <a:ea typeface="+mj-ea"/>
-          <a:cs typeface="+mj-cs"/>
+          <a:latin typeface="+mn-lt"/>
+          <a:ea typeface="+mn-ea"/>
+          <a:cs typeface="+mn-cs"/>
           <a:sym typeface="Helvetica"/>
         </a:defRPr>
       </a:lvl9pPr>
@@ -1467,7 +1467,7 @@
           <a:sym typeface="Calisto MT"/>
         </a:defRPr>
       </a:lvl1pPr>
-      <a:lvl2pPr indent="457200" algn="ctr">
+      <a:lvl2pPr algn="ctr">
         <a:defRPr>
           <a:solidFill>
             <a:schemeClr val="tx1"/>
@@ -1478,7 +1478,7 @@
           <a:sym typeface="Calisto MT"/>
         </a:defRPr>
       </a:lvl2pPr>
-      <a:lvl3pPr indent="914400" algn="ctr">
+      <a:lvl3pPr algn="ctr">
         <a:defRPr>
           <a:solidFill>
             <a:schemeClr val="tx1"/>
@@ -1489,7 +1489,7 @@
           <a:sym typeface="Calisto MT"/>
         </a:defRPr>
       </a:lvl3pPr>
-      <a:lvl4pPr indent="1371600" algn="ctr">
+      <a:lvl4pPr algn="ctr">
         <a:defRPr>
           <a:solidFill>
             <a:schemeClr val="tx1"/>
@@ -1500,7 +1500,7 @@
           <a:sym typeface="Calisto MT"/>
         </a:defRPr>
       </a:lvl4pPr>
-      <a:lvl5pPr indent="1828800" algn="ctr">
+      <a:lvl5pPr algn="ctr">
         <a:defRPr>
           <a:solidFill>
             <a:schemeClr val="tx1"/>
@@ -1659,7 +1659,7 @@
             </a:endParaRPr>
           </a:p>
           <a:p>
-            <a:pPr lvl="0" marL="457200" indent="-457200" defTabSz="914400">
+            <a:pPr lvl="0" marL="711200" indent="-711200" defTabSz="914400">
               <a:spcBef>
                 <a:spcPts val="2000"/>
               </a:spcBef>
@@ -1682,10 +1682,10 @@
                 <a:solidFill>
                   <a:srgbClr val="BA5A5A"/>
                 </a:solidFill>
-                <a:latin typeface="Times"/>
-                <a:ea typeface="Times"/>
-                <a:cs typeface="Times"/>
-                <a:sym typeface="Times"/>
+                <a:latin typeface="Times Roman"/>
+                <a:ea typeface="Times Roman"/>
+                <a:cs typeface="Times Roman"/>
+                <a:sym typeface="Times Roman"/>
               </a:rPr>
               <a:t>git@github.com:NazneenRupawalla/Android-Bootcamp-V1.1.git</a:t>
             </a:r>
@@ -1783,7 +1783,7 @@
           </a:bodyPr>
           <a:lstStyle/>
           <a:p>
-            <a:pPr lvl="0" marL="914400" indent="-914400" defTabSz="914400">
+            <a:pPr lvl="0" marL="1219200" indent="-1219200" defTabSz="914400">
               <a:spcBef>
                 <a:spcPts val="2000"/>
               </a:spcBef>
@@ -1809,7 +1809,7 @@
             </a:endParaRPr>
           </a:p>
           <a:p>
-            <a:pPr lvl="0" marL="914400" indent="-914400" defTabSz="914400">
+            <a:pPr lvl="0" marL="1219200" indent="-1219200" defTabSz="914400">
               <a:spcBef>
                 <a:spcPts val="2000"/>
               </a:spcBef>
@@ -1835,7 +1835,7 @@
             </a:endParaRPr>
           </a:p>
           <a:p>
-            <a:pPr lvl="0" marL="914400" indent="-914400" defTabSz="914400">
+            <a:pPr lvl="0" marL="1219200" indent="-1219200" defTabSz="914400">
               <a:spcBef>
                 <a:spcPts val="2000"/>
               </a:spcBef>
@@ -1861,7 +1861,7 @@
             </a:endParaRPr>
           </a:p>
           <a:p>
-            <a:pPr lvl="0" marL="914400" indent="-914400" defTabSz="914400">
+            <a:pPr lvl="0" marL="1219200" indent="-1219200" defTabSz="914400">
               <a:spcBef>
                 <a:spcPts val="2000"/>
               </a:spcBef>
@@ -1887,7 +1887,7 @@
             </a:endParaRPr>
           </a:p>
           <a:p>
-            <a:pPr lvl="0" marL="914400" indent="-914400" defTabSz="914400">
+            <a:pPr lvl="0" marL="1219200" indent="-1219200" defTabSz="914400">
               <a:spcBef>
                 <a:spcPts val="2000"/>
               </a:spcBef>
@@ -1913,7 +1913,7 @@
             </a:endParaRPr>
           </a:p>
           <a:p>
-            <a:pPr lvl="0" marL="914400" indent="-914400" defTabSz="914400">
+            <a:pPr lvl="0" marL="1219200" indent="-1219200" defTabSz="914400">
               <a:spcBef>
                 <a:spcPts val="2000"/>
               </a:spcBef>
@@ -1929,7 +1929,7 @@
                 <a:cs typeface="Calisto MT"/>
                 <a:sym typeface="Calisto MT"/>
               </a:rPr>
-              <a:t>Robospice, Volley, Androidplugins</a:t>
+              <a:t>Robospice, Volley, Retrofit, Androidplugins</a:t>
             </a:r>
           </a:p>
         </p:txBody>
@@ -2286,7 +2286,7 @@
       </p:par>
     </p:tnLst>
     <p:bldLst>
-      <p:bldP build="p" bldLvl="1" animBg="1" rev="0" advAuto="0" spid="84" grpId="1"/>
+      <p:bldP build="p" bldLvl="5" animBg="1" rev="0" advAuto="0" spid="84" grpId="1"/>
     </p:bldLst>
   </p:timing>
 </p:sld>
@@ -2374,7 +2374,7 @@
           </a:bodyPr>
           <a:lstStyle/>
           <a:p>
-            <a:pPr lvl="0" marL="838200" indent="-838200" defTabSz="914400">
+            <a:pPr lvl="0" marL="1024466" indent="-1024466" defTabSz="914400">
               <a:lnSpc>
                 <a:spcPct val="90000"/>
               </a:lnSpc>
@@ -2417,7 +2417,7 @@
             </a:endParaRPr>
           </a:p>
           <a:p>
-            <a:pPr lvl="0" marL="838200" indent="-838200" defTabSz="914400">
+            <a:pPr lvl="0" marL="1024466" indent="-1024466" defTabSz="914400">
               <a:lnSpc>
                 <a:spcPct val="90000"/>
               </a:lnSpc>
@@ -2460,7 +2460,7 @@
             </a:endParaRPr>
           </a:p>
           <a:p>
-            <a:pPr lvl="0" marL="838200" indent="-838200" defTabSz="914400">
+            <a:pPr lvl="0" marL="1024466" indent="-1024466" defTabSz="914400">
               <a:lnSpc>
                 <a:spcPct val="90000"/>
               </a:lnSpc>
@@ -2503,7 +2503,7 @@
             </a:endParaRPr>
           </a:p>
           <a:p>
-            <a:pPr lvl="0" marL="838200" indent="-838200" defTabSz="914400">
+            <a:pPr lvl="0" marL="1024466" indent="-1024466" defTabSz="914400">
               <a:lnSpc>
                 <a:spcPct val="90000"/>
               </a:lnSpc>
@@ -2546,7 +2546,7 @@
             </a:endParaRPr>
           </a:p>
           <a:p>
-            <a:pPr lvl="0" marL="838200" indent="-838200" defTabSz="914400">
+            <a:pPr lvl="0" marL="1024466" indent="-1024466" defTabSz="914400">
               <a:lnSpc>
                 <a:spcPct val="90000"/>
               </a:lnSpc>
@@ -2662,8 +2662,8 @@
         </p:nvSpPr>
         <p:spPr>
           <a:xfrm>
-            <a:off x="395991" y="1650512"/>
-            <a:ext cx="8001001" cy="4114801"/>
+            <a:off x="395991" y="1650511"/>
+            <a:ext cx="8001001" cy="4114803"/>
           </a:xfrm>
           <a:prstGeom prst="rect">
             <a:avLst/>
@@ -2692,7 +2692,7 @@
             </a:endParaRPr>
           </a:p>
           <a:p>
-            <a:pPr lvl="0" marL="914400" indent="-914400" defTabSz="914400">
+            <a:pPr lvl="0" marL="1219200" indent="-1219200" defTabSz="914400">
               <a:spcBef>
                 <a:spcPts val="2000"/>
               </a:spcBef>
@@ -2718,7 +2718,7 @@
             </a:endParaRPr>
           </a:p>
           <a:p>
-            <a:pPr lvl="0" marL="914400" indent="-914400" defTabSz="914400">
+            <a:pPr lvl="0" marL="1219200" indent="-1219200" defTabSz="914400">
               <a:spcBef>
                 <a:spcPts val="2000"/>
               </a:spcBef>
@@ -2744,7 +2744,7 @@
             </a:endParaRPr>
           </a:p>
           <a:p>
-            <a:pPr lvl="0" marL="914400" indent="-914400" defTabSz="914400">
+            <a:pPr lvl="0" marL="1219200" indent="-1219200" defTabSz="914400">
               <a:spcBef>
                 <a:spcPts val="2000"/>
               </a:spcBef>
@@ -2770,7 +2770,7 @@
             </a:endParaRPr>
           </a:p>
           <a:p>
-            <a:pPr lvl="0" marL="914400" indent="-914400" defTabSz="914400">
+            <a:pPr lvl="0" marL="1219200" indent="-1219200" defTabSz="914400">
               <a:spcBef>
                 <a:spcPts val="2000"/>
               </a:spcBef>
@@ -2796,7 +2796,7 @@
             </a:endParaRPr>
           </a:p>
           <a:p>
-            <a:pPr lvl="0" marL="914400" indent="-914400" defTabSz="914400">
+            <a:pPr lvl="0" marL="1219200" indent="-1219200" defTabSz="914400">
               <a:spcBef>
                 <a:spcPts val="2000"/>
               </a:spcBef>
@@ -2851,8 +2851,8 @@
         </p:nvSpPr>
         <p:spPr>
           <a:xfrm>
-            <a:off x="533400" y="1371600"/>
-            <a:ext cx="2743200" cy="4114610"/>
+            <a:off x="533400" y="1371599"/>
+            <a:ext cx="2743200" cy="4114612"/>
           </a:xfrm>
           <a:prstGeom prst="rect">
             <a:avLst/>
@@ -2900,8 +2900,8 @@
         </p:nvSpPr>
         <p:spPr>
           <a:xfrm>
-            <a:off x="685799" y="1600200"/>
-            <a:ext cx="1066752" cy="990555"/>
+            <a:off x="685798" y="1600199"/>
+            <a:ext cx="1066754" cy="990557"/>
           </a:xfrm>
           <a:prstGeom prst="rect">
             <a:avLst/>
@@ -2954,8 +2954,8 @@
         </p:nvSpPr>
         <p:spPr>
           <a:xfrm>
-            <a:off x="2057400" y="1600200"/>
-            <a:ext cx="1066751" cy="990555"/>
+            <a:off x="2057400" y="1600199"/>
+            <a:ext cx="1066751" cy="990557"/>
           </a:xfrm>
           <a:prstGeom prst="rect">
             <a:avLst/>
@@ -3008,8 +3008,8 @@
         </p:nvSpPr>
         <p:spPr>
           <a:xfrm>
-            <a:off x="685799" y="2971800"/>
-            <a:ext cx="1066752" cy="990555"/>
+            <a:off x="685798" y="2971799"/>
+            <a:ext cx="1066754" cy="990557"/>
           </a:xfrm>
           <a:prstGeom prst="rect">
             <a:avLst/>
@@ -3062,8 +3062,8 @@
         </p:nvSpPr>
         <p:spPr>
           <a:xfrm>
-            <a:off x="2057400" y="2971800"/>
-            <a:ext cx="1066751" cy="990555"/>
+            <a:off x="2057400" y="2971799"/>
+            <a:ext cx="1066751" cy="990557"/>
           </a:xfrm>
           <a:prstGeom prst="rect">
             <a:avLst/>
@@ -3116,8 +3116,8 @@
         </p:nvSpPr>
         <p:spPr>
           <a:xfrm>
-            <a:off x="685799" y="4191000"/>
-            <a:ext cx="1066752" cy="990555"/>
+            <a:off x="685798" y="4190999"/>
+            <a:ext cx="1066754" cy="990557"/>
           </a:xfrm>
           <a:prstGeom prst="rect">
             <a:avLst/>
@@ -3170,8 +3170,8 @@
         </p:nvSpPr>
         <p:spPr>
           <a:xfrm>
-            <a:off x="2057400" y="4191000"/>
-            <a:ext cx="1066751" cy="990555"/>
+            <a:off x="2057400" y="4190999"/>
+            <a:ext cx="1066751" cy="990557"/>
           </a:xfrm>
           <a:prstGeom prst="rect">
             <a:avLst/>
@@ -3224,8 +3224,8 @@
         </p:nvSpPr>
         <p:spPr>
           <a:xfrm>
-            <a:off x="914400" y="1905000"/>
-            <a:ext cx="533400" cy="375229"/>
+            <a:off x="914400" y="1904999"/>
+            <a:ext cx="533400" cy="283792"/>
           </a:xfrm>
           <a:prstGeom prst="rect">
             <a:avLst/>
@@ -3272,8 +3272,8 @@
         </p:nvSpPr>
         <p:spPr>
           <a:xfrm>
-            <a:off x="914400" y="3276600"/>
-            <a:ext cx="533400" cy="375229"/>
+            <a:off x="914400" y="3276599"/>
+            <a:ext cx="533400" cy="283792"/>
           </a:xfrm>
           <a:prstGeom prst="rect">
             <a:avLst/>
@@ -3320,8 +3320,8 @@
         </p:nvSpPr>
         <p:spPr>
           <a:xfrm>
-            <a:off x="914400" y="4495800"/>
-            <a:ext cx="533400" cy="375229"/>
+            <a:off x="914400" y="4495799"/>
+            <a:ext cx="533400" cy="283792"/>
           </a:xfrm>
           <a:prstGeom prst="rect">
             <a:avLst/>
@@ -3368,8 +3368,8 @@
         </p:nvSpPr>
         <p:spPr>
           <a:xfrm>
-            <a:off x="2286000" y="1905000"/>
-            <a:ext cx="533400" cy="375229"/>
+            <a:off x="2286000" y="1904999"/>
+            <a:ext cx="533400" cy="283792"/>
           </a:xfrm>
           <a:prstGeom prst="rect">
             <a:avLst/>
@@ -3416,8 +3416,8 @@
         </p:nvSpPr>
         <p:spPr>
           <a:xfrm>
-            <a:off x="2286000" y="3352800"/>
-            <a:ext cx="533400" cy="375229"/>
+            <a:off x="2286000" y="3352799"/>
+            <a:ext cx="533400" cy="283792"/>
           </a:xfrm>
           <a:prstGeom prst="rect">
             <a:avLst/>
@@ -3464,8 +3464,8 @@
         </p:nvSpPr>
         <p:spPr>
           <a:xfrm>
-            <a:off x="2286000" y="4495800"/>
-            <a:ext cx="533400" cy="375229"/>
+            <a:off x="2286000" y="4495799"/>
+            <a:ext cx="533400" cy="283792"/>
           </a:xfrm>
           <a:prstGeom prst="rect">
             <a:avLst/>
@@ -3513,7 +3513,7 @@
         <p:spPr>
           <a:xfrm>
             <a:off x="762000" y="5942012"/>
-            <a:ext cx="2590800" cy="350660"/>
+            <a:ext cx="2590800" cy="259222"/>
           </a:xfrm>
           <a:prstGeom prst="rect">
             <a:avLst/>
@@ -3558,7 +3558,7 @@
         <p:spPr>
           <a:xfrm>
             <a:off x="3352800" y="3276600"/>
-            <a:ext cx="2362200" cy="0"/>
+            <a:ext cx="2362201" cy="0"/>
           </a:xfrm>
           <a:prstGeom prst="line">
             <a:avLst/>
@@ -3574,7 +3574,12 @@
           <a:lstStyle/>
           <a:p>
             <a:pPr lvl="0" defTabSz="457200">
-              <a:defRPr sz="1200"/>
+              <a:defRPr sz="1200">
+                <a:latin typeface="+mn-lt"/>
+                <a:ea typeface="+mn-ea"/>
+                <a:cs typeface="+mn-cs"/>
+                <a:sym typeface="Helvetica"/>
+              </a:defRPr>
             </a:pPr>
           </a:p>
         </p:txBody>
@@ -3587,8 +3592,8 @@
         </p:nvSpPr>
         <p:spPr>
           <a:xfrm>
-            <a:off x="5867400" y="1371600"/>
-            <a:ext cx="2743200" cy="4114610"/>
+            <a:off x="5867400" y="1371599"/>
+            <a:ext cx="2743200" cy="4114612"/>
           </a:xfrm>
           <a:prstGeom prst="rect">
             <a:avLst/>
@@ -3685,8 +3690,8 @@
         </p:nvSpPr>
         <p:spPr>
           <a:xfrm>
-            <a:off x="6400800" y="3048000"/>
-            <a:ext cx="2133600" cy="486205"/>
+            <a:off x="6400800" y="3047999"/>
+            <a:ext cx="2133600" cy="394768"/>
           </a:xfrm>
           <a:prstGeom prst="rect">
             <a:avLst/>
@@ -3734,7 +3739,7 @@
         <p:spPr>
           <a:xfrm>
             <a:off x="1447800" y="457200"/>
-            <a:ext cx="5943600" cy="564910"/>
+            <a:ext cx="5943600" cy="473472"/>
           </a:xfrm>
           <a:prstGeom prst="rect">
             <a:avLst/>
@@ -3804,7 +3809,7 @@
       </p:grpSpPr>
       <p:pic>
         <p:nvPicPr>
-          <p:cNvPr id="54" name="image10.png" descr="Screen Shot 2013-10-06 at 1.31.27 PM.png"/>
+          <p:cNvPr id="54" name="image5.png" descr="Screen Shot 2013-10-06 at 1.31.27 PM.png"/>
           <p:cNvPicPr/>
           <p:nvPr/>
         </p:nvPicPr>
@@ -3831,7 +3836,7 @@
       </p:pic>
       <p:pic>
         <p:nvPicPr>
-          <p:cNvPr id="55" name="image11.png"/>
+          <p:cNvPr id="55" name="image6.png"/>
           <p:cNvPicPr/>
           <p:nvPr/>
         </p:nvPicPr>
@@ -3846,7 +3851,7 @@
         <p:spPr>
           <a:xfrm>
             <a:off x="6477000" y="2057400"/>
-            <a:ext cx="2484438" cy="4191000"/>
+            <a:ext cx="2484439" cy="4191000"/>
           </a:xfrm>
           <a:prstGeom prst="rect">
             <a:avLst/>
@@ -3864,8 +3869,8 @@
         </p:nvSpPr>
         <p:spPr>
           <a:xfrm>
-            <a:off x="609600" y="2208212"/>
-            <a:ext cx="2470150" cy="383539"/>
+            <a:off x="609600" y="2208211"/>
+            <a:ext cx="2470150" cy="292101"/>
           </a:xfrm>
           <a:prstGeom prst="rect">
             <a:avLst/>
@@ -3910,7 +3915,7 @@
         <p:spPr>
           <a:xfrm>
             <a:off x="609599" y="3579812"/>
-            <a:ext cx="4572002" cy="383539"/>
+            <a:ext cx="4572002" cy="292101"/>
           </a:xfrm>
           <a:prstGeom prst="rect">
             <a:avLst/>
@@ -3954,8 +3959,8 @@
         </p:nvSpPr>
         <p:spPr>
           <a:xfrm>
-            <a:off x="609599" y="2894012"/>
-            <a:ext cx="4572002" cy="383539"/>
+            <a:off x="609599" y="2894011"/>
+            <a:ext cx="4572002" cy="292101"/>
           </a:xfrm>
           <a:prstGeom prst="rect">
             <a:avLst/>
@@ -4000,7 +4005,7 @@
         <p:spPr>
           <a:xfrm>
             <a:off x="609599" y="4265612"/>
-            <a:ext cx="4572002" cy="383539"/>
+            <a:ext cx="4572002" cy="292101"/>
           </a:xfrm>
           <a:prstGeom prst="rect">
             <a:avLst/>
@@ -4045,7 +4050,7 @@
         <p:spPr>
           <a:xfrm>
             <a:off x="609599" y="4951412"/>
-            <a:ext cx="4572002" cy="383539"/>
+            <a:ext cx="4572002" cy="292101"/>
           </a:xfrm>
           <a:prstGeom prst="rect">
             <a:avLst/>
@@ -4089,8 +4094,8 @@
         </p:nvSpPr>
         <p:spPr>
           <a:xfrm>
-            <a:off x="533400" y="2057400"/>
-            <a:ext cx="4190806" cy="685800"/>
+            <a:off x="533399" y="2057400"/>
+            <a:ext cx="4190807" cy="685801"/>
           </a:xfrm>
           <a:custGeom>
             <a:avLst/>
@@ -4182,8 +4187,8 @@
         </p:nvSpPr>
         <p:spPr>
           <a:xfrm>
-            <a:off x="533400" y="2743200"/>
-            <a:ext cx="4190806" cy="685800"/>
+            <a:off x="533399" y="2743200"/>
+            <a:ext cx="4190807" cy="685801"/>
           </a:xfrm>
           <a:custGeom>
             <a:avLst/>
@@ -4275,8 +4280,8 @@
         </p:nvSpPr>
         <p:spPr>
           <a:xfrm>
-            <a:off x="533400" y="3429000"/>
-            <a:ext cx="4190806" cy="685800"/>
+            <a:off x="533399" y="3429000"/>
+            <a:ext cx="4190807" cy="685801"/>
           </a:xfrm>
           <a:custGeom>
             <a:avLst/>
@@ -4368,8 +4373,8 @@
         </p:nvSpPr>
         <p:spPr>
           <a:xfrm>
-            <a:off x="533400" y="4114800"/>
-            <a:ext cx="4190806" cy="685800"/>
+            <a:off x="533399" y="4114800"/>
+            <a:ext cx="4190807" cy="685801"/>
           </a:xfrm>
           <a:custGeom>
             <a:avLst/>
@@ -4461,8 +4466,8 @@
         </p:nvSpPr>
         <p:spPr>
           <a:xfrm>
-            <a:off x="533400" y="4800600"/>
-            <a:ext cx="4190806" cy="685800"/>
+            <a:off x="533399" y="4800600"/>
+            <a:ext cx="4190807" cy="685801"/>
           </a:xfrm>
           <a:custGeom>
             <a:avLst/>
@@ -5109,18 +5114,18 @@
       </p:par>
     </p:tnLst>
     <p:bldLst>
-      <p:bldP build="whole" bldLvl="1" animBg="1" rev="0" advAuto="0" spid="64" grpId="8"/>
+      <p:bldP build="whole" bldLvl="1" animBg="1" rev="0" advAuto="0" spid="61" grpId="1"/>
+      <p:bldP build="whole" bldLvl="1" animBg="1" rev="0" advAuto="0" spid="63" grpId="6"/>
+      <p:bldP build="whole" bldLvl="1" animBg="1" rev="0" advAuto="0" spid="61" grpId="3"/>
       <p:bldP build="whole" bldLvl="1" animBg="1" rev="0" advAuto="0" spid="63" grpId="7"/>
-      <p:bldP build="whole" bldLvl="1" animBg="1" rev="0" advAuto="0" spid="64" grpId="9"/>
-      <p:bldP build="whole" bldLvl="1" animBg="1" rev="0" advAuto="0" spid="63" grpId="6"/>
+      <p:bldP build="whole" bldLvl="1" animBg="1" rev="0" advAuto="0" spid="65" grpId="10"/>
       <p:bldP build="whole" bldLvl="1" animBg="1" rev="0" advAuto="0" spid="55" grpId="2"/>
-      <p:bldP build="whole" bldLvl="1" animBg="1" rev="0" advAuto="0" spid="61" grpId="1"/>
-      <p:bldP build="whole" bldLvl="1" animBg="1" rev="0" advAuto="0" spid="61" grpId="3"/>
-      <p:bldP build="whole" bldLvl="1" animBg="1" rev="0" advAuto="0" spid="55" grpId="11"/>
-      <p:bldP build="whole" bldLvl="1" animBg="1" rev="0" advAuto="0" spid="54" grpId="12"/>
       <p:bldP build="whole" bldLvl="1" animBg="1" rev="0" advAuto="0" spid="62" grpId="4"/>
       <p:bldP build="whole" bldLvl="1" animBg="1" rev="0" advAuto="0" spid="62" grpId="5"/>
-      <p:bldP build="whole" bldLvl="1" animBg="1" rev="0" advAuto="0" spid="65" grpId="10"/>
+      <p:bldP build="whole" bldLvl="1" animBg="1" rev="0" advAuto="0" spid="64" grpId="8"/>
+      <p:bldP build="whole" bldLvl="1" animBg="1" rev="0" advAuto="0" spid="55" grpId="11"/>
+      <p:bldP build="whole" bldLvl="1" animBg="1" rev="0" advAuto="0" spid="64" grpId="9"/>
+      <p:bldP build="whole" bldLvl="1" animBg="1" rev="0" advAuto="0" spid="54" grpId="12"/>
     </p:bldLst>
   </p:timing>
 </p:sld>
@@ -5207,7 +5212,7 @@
             <a:normAutofit fontScale="100000" lnSpcReduction="0"/>
           </a:bodyPr>
           <a:lstStyle>
-            <a:lvl1pPr marL="1625600" indent="-1625600" defTabSz="914400">
+            <a:lvl1pPr marL="2889955" indent="-2889955" defTabSz="914400">
               <a:spcBef>
                 <a:spcPts val="2000"/>
               </a:spcBef>
@@ -5324,7 +5329,7 @@
           </a:bodyPr>
           <a:lstStyle/>
           <a:p>
-            <a:pPr lvl="0" marL="914400" indent="-914400" defTabSz="914400">
+            <a:pPr lvl="0" marL="1219200" indent="-1219200" defTabSz="914400">
               <a:spcBef>
                 <a:spcPts val="2000"/>
               </a:spcBef>
@@ -5350,7 +5355,7 @@
             </a:endParaRPr>
           </a:p>
           <a:p>
-            <a:pPr lvl="0" marL="914400" indent="-914400" defTabSz="914400">
+            <a:pPr lvl="0" marL="1219200" indent="-1219200" defTabSz="914400">
               <a:spcBef>
                 <a:spcPts val="2000"/>
               </a:spcBef>
@@ -5376,7 +5381,7 @@
             </a:endParaRPr>
           </a:p>
           <a:p>
-            <a:pPr lvl="0" marL="914400" indent="-914400" defTabSz="914400">
+            <a:pPr lvl="0" marL="1219200" indent="-1219200" defTabSz="914400">
               <a:spcBef>
                 <a:spcPts val="2000"/>
               </a:spcBef>
@@ -5475,8 +5480,8 @@
         </p:nvSpPr>
         <p:spPr>
           <a:xfrm>
-            <a:off x="571500" y="2573337"/>
-            <a:ext cx="8001000" cy="3116263"/>
+            <a:off x="571500" y="2573336"/>
+            <a:ext cx="8001000" cy="3116264"/>
           </a:xfrm>
           <a:prstGeom prst="rect">
             <a:avLst/>
@@ -5488,7 +5493,7 @@
           </a:bodyPr>
           <a:lstStyle/>
           <a:p>
-            <a:pPr lvl="0" marL="914400" indent="-914400" defTabSz="914400">
+            <a:pPr lvl="0" marL="1219200" indent="-1219200" defTabSz="914400">
               <a:spcBef>
                 <a:spcPts val="2000"/>
               </a:spcBef>
@@ -5514,7 +5519,7 @@
             </a:endParaRPr>
           </a:p>
           <a:p>
-            <a:pPr lvl="0" marL="914400" indent="-914400" defTabSz="914400">
+            <a:pPr lvl="0" marL="1219200" indent="-1219200" defTabSz="914400">
               <a:spcBef>
                 <a:spcPts val="2000"/>
               </a:spcBef>
@@ -5615,7 +5620,7 @@
           <a:bodyPr/>
           <a:lstStyle/>
           <a:p>
-            <a:pPr lvl="0">
+            <a:pPr lvl="0" marL="609600" indent="-609600">
               <a:defRPr sz="1800"/>
             </a:pPr>
             <a:r>
@@ -5625,7 +5630,7 @@
             <a:endParaRPr sz="2400"/>
           </a:p>
           <a:p>
-            <a:pPr lvl="0">
+            <a:pPr lvl="0" marL="609600" indent="-609600">
               <a:defRPr sz="1800"/>
             </a:pPr>
             <a:r>
@@ -5635,7 +5640,7 @@
             <a:endParaRPr sz="2400"/>
           </a:p>
           <a:p>
-            <a:pPr lvl="0">
+            <a:pPr lvl="0" marL="609600" indent="-609600">
               <a:defRPr sz="1800"/>
             </a:pPr>
             <a:r>
@@ -5853,7 +5858,7 @@
       </p:par>
     </p:tnLst>
     <p:bldLst>
-      <p:bldP build="p" bldLvl="1" animBg="1" rev="0" advAuto="0" spid="78" grpId="1"/>
+      <p:bldP build="p" bldLvl="5" animBg="1" rev="0" advAuto="0" spid="78" grpId="1"/>
     </p:bldLst>
   </p:timing>
 </p:sld>
@@ -5930,7 +5935,7 @@
           <a:bodyPr/>
           <a:lstStyle/>
           <a:p>
-            <a:pPr lvl="0">
+            <a:pPr lvl="0" marL="609600" indent="-609600">
               <a:defRPr sz="1800"/>
             </a:pPr>
             <a:r>
@@ -5940,7 +5945,7 @@
             <a:endParaRPr sz="2400"/>
           </a:p>
           <a:p>
-            <a:pPr lvl="0">
+            <a:pPr lvl="0" marL="609600" indent="-609600">
               <a:defRPr sz="1800"/>
             </a:pPr>
             <a:r>
@@ -5950,7 +5955,7 @@
             <a:endParaRPr sz="2400"/>
           </a:p>
           <a:p>
-            <a:pPr lvl="0">
+            <a:pPr lvl="0" marL="609600" indent="-609600">
               <a:defRPr sz="1800"/>
             </a:pPr>
             <a:r>
@@ -6012,14 +6017,14 @@
     </a:clrScheme>
     <a:fontScheme name="Default">
       <a:majorFont>
+        <a:latin typeface="Avenir Roman"/>
+        <a:ea typeface="Avenir Roman"/>
+        <a:cs typeface="Avenir Roman"/>
+      </a:majorFont>
+      <a:minorFont>
         <a:latin typeface="Helvetica"/>
         <a:ea typeface="Helvetica"/>
         <a:cs typeface="Helvetica"/>
-      </a:majorFont>
-      <a:minorFont>
-        <a:latin typeface="Avenir Book"/>
-        <a:ea typeface="Avenir Book"/>
-        <a:cs typeface="Avenir Book"/>
       </a:minorFont>
     </a:fontScheme>
     <a:fmtScheme name="Default">
@@ -6114,9 +6119,9 @@
         </a:effectStyle>
         <a:effectStyle>
           <a:effectLst>
-            <a:outerShdw sx="100000" sy="100000" kx="0" ky="0" algn="b" rotWithShape="0" blurRad="38100" dist="20000" dir="5400000">
+            <a:outerShdw sx="100000" sy="100000" kx="0" ky="0" algn="b" rotWithShape="0" blurRad="50800" dist="25399" dir="6599969">
               <a:srgbClr val="000000">
-                <a:alpha val="38000"/>
+                <a:alpha val="34999"/>
               </a:srgbClr>
             </a:outerShdw>
           </a:effectLst>
@@ -6223,10 +6228,10 @@
             </a:solidFill>
             <a:effectLst/>
             <a:uFillTx/>
-            <a:latin typeface="+mj-lt"/>
-            <a:ea typeface="+mj-ea"/>
-            <a:cs typeface="+mj-cs"/>
-            <a:sym typeface="Helvetica"/>
+            <a:latin typeface="Avenir Book"/>
+            <a:ea typeface="Avenir Book"/>
+            <a:cs typeface="Avenir Book"/>
+            <a:sym typeface="Avenir Book"/>
           </a:defRPr>
         </a:defPPr>
         <a:lvl1pPr marL="0" marR="0" indent="0" algn="l" defTabSz="914400" rtl="0" fontAlgn="auto" latinLnBrk="1" hangingPunct="0">
@@ -6482,9 +6487,9 @@
           <a:bevel/>
         </a:ln>
         <a:effectLst>
-          <a:outerShdw sx="100000" sy="100000" kx="0" ky="0" algn="b" rotWithShape="0" blurRad="38100" dist="20000" dir="5400000">
+          <a:outerShdw sx="100000" sy="100000" kx="0" ky="0" algn="b" rotWithShape="0" blurRad="50800" dist="25399" dir="6599969">
             <a:srgbClr val="000000">
-              <a:alpha val="38000"/>
+              <a:alpha val="34999"/>
             </a:srgbClr>
           </a:outerShdw>
         </a:effectLst>
@@ -6798,10 +6803,10 @@
             </a:solidFill>
             <a:effectLst/>
             <a:uFillTx/>
-            <a:latin typeface="+mj-lt"/>
-            <a:ea typeface="+mj-ea"/>
-            <a:cs typeface="+mj-cs"/>
-            <a:sym typeface="Helvetica"/>
+            <a:latin typeface="Avenir Book"/>
+            <a:ea typeface="Avenir Book"/>
+            <a:cs typeface="Avenir Book"/>
+            <a:sym typeface="Avenir Book"/>
           </a:defRPr>
         </a:defPPr>
         <a:lvl1pPr marL="0" marR="0" indent="0" algn="l" defTabSz="914400" rtl="0" fontAlgn="auto" latinLnBrk="1" hangingPunct="0">
@@ -7093,14 +7098,14 @@
     </a:clrScheme>
     <a:fontScheme name="Default">
       <a:majorFont>
+        <a:latin typeface="Avenir Roman"/>
+        <a:ea typeface="Avenir Roman"/>
+        <a:cs typeface="Avenir Roman"/>
+      </a:majorFont>
+      <a:minorFont>
         <a:latin typeface="Helvetica"/>
         <a:ea typeface="Helvetica"/>
         <a:cs typeface="Helvetica"/>
-      </a:majorFont>
-      <a:minorFont>
-        <a:latin typeface="Avenir Book"/>
-        <a:ea typeface="Avenir Book"/>
-        <a:cs typeface="Avenir Book"/>
       </a:minorFont>
     </a:fontScheme>
     <a:fmtScheme name="Default">
@@ -7195,9 +7200,9 @@
         </a:effectStyle>
         <a:effectStyle>
           <a:effectLst>
-            <a:outerShdw sx="100000" sy="100000" kx="0" ky="0" algn="b" rotWithShape="0" blurRad="38100" dist="20000" dir="5400000">
+            <a:outerShdw sx="100000" sy="100000" kx="0" ky="0" algn="b" rotWithShape="0" blurRad="50800" dist="25399" dir="6599969">
               <a:srgbClr val="000000">
-                <a:alpha val="38000"/>
+                <a:alpha val="34999"/>
               </a:srgbClr>
             </a:outerShdw>
           </a:effectLst>
@@ -7304,10 +7309,10 @@
             </a:solidFill>
             <a:effectLst/>
             <a:uFillTx/>
-            <a:latin typeface="+mj-lt"/>
-            <a:ea typeface="+mj-ea"/>
-            <a:cs typeface="+mj-cs"/>
-            <a:sym typeface="Helvetica"/>
+            <a:latin typeface="Avenir Book"/>
+            <a:ea typeface="Avenir Book"/>
+            <a:cs typeface="Avenir Book"/>
+            <a:sym typeface="Avenir Book"/>
           </a:defRPr>
         </a:defPPr>
         <a:lvl1pPr marL="0" marR="0" indent="0" algn="l" defTabSz="914400" rtl="0" fontAlgn="auto" latinLnBrk="1" hangingPunct="0">
@@ -7563,9 +7568,9 @@
           <a:bevel/>
         </a:ln>
         <a:effectLst>
-          <a:outerShdw sx="100000" sy="100000" kx="0" ky="0" algn="b" rotWithShape="0" blurRad="38100" dist="20000" dir="5400000">
+          <a:outerShdw sx="100000" sy="100000" kx="0" ky="0" algn="b" rotWithShape="0" blurRad="50800" dist="25399" dir="6599969">
             <a:srgbClr val="000000">
-              <a:alpha val="38000"/>
+              <a:alpha val="34999"/>
             </a:srgbClr>
           </a:outerShdw>
         </a:effectLst>
@@ -7879,10 +7884,10 @@
             </a:solidFill>
             <a:effectLst/>
             <a:uFillTx/>
-            <a:latin typeface="+mj-lt"/>
-            <a:ea typeface="+mj-ea"/>
-            <a:cs typeface="+mj-cs"/>
-            <a:sym typeface="Helvetica"/>
+            <a:latin typeface="Avenir Book"/>
+            <a:ea typeface="Avenir Book"/>
+            <a:cs typeface="Avenir Book"/>
+            <a:sym typeface="Avenir Book"/>
           </a:defRPr>
         </a:defPPr>
         <a:lvl1pPr marL="0" marR="0" indent="0" algn="l" defTabSz="914400" rtl="0" fontAlgn="auto" latinLnBrk="1" hangingPunct="0">
